--- a/docs/diagrams/FindTagsSequenceDiagramForLogic.pptx
+++ b/docs/diagrams/FindTagsSequenceDiagramForLogic.pptx
@@ -212,7 +212,7 @@
           <a:p>
             <a:fld id="{F5CC4B3F-88C1-4FFA-B1B6-F41C21DC6924}" type="datetimeFigureOut">
               <a:rPr lang="en-US" smtClean="0"/>
-              <a:t>10/20/2017</a:t>
+              <a:t>11/9/2017</a:t>
             </a:fld>
             <a:endParaRPr lang="en-US"/>
           </a:p>
@@ -658,7 +658,7 @@
           <a:p>
             <a:fld id="{78C97017-6FC3-485B-9764-EAC9E56C1D49}" type="datetimeFigureOut">
               <a:rPr lang="en-US" smtClean="0"/>
-              <a:t>10/20/2017</a:t>
+              <a:t>11/9/2017</a:t>
             </a:fld>
             <a:endParaRPr lang="en-US"/>
           </a:p>
@@ -826,7 +826,7 @@
           <a:p>
             <a:fld id="{78C97017-6FC3-485B-9764-EAC9E56C1D49}" type="datetimeFigureOut">
               <a:rPr lang="en-US" smtClean="0"/>
-              <a:t>10/20/2017</a:t>
+              <a:t>11/9/2017</a:t>
             </a:fld>
             <a:endParaRPr lang="en-US"/>
           </a:p>
@@ -1004,7 +1004,7 @@
           <a:p>
             <a:fld id="{78C97017-6FC3-485B-9764-EAC9E56C1D49}" type="datetimeFigureOut">
               <a:rPr lang="en-US" smtClean="0"/>
-              <a:t>10/20/2017</a:t>
+              <a:t>11/9/2017</a:t>
             </a:fld>
             <a:endParaRPr lang="en-US"/>
           </a:p>
@@ -1172,7 +1172,7 @@
           <a:p>
             <a:fld id="{78C97017-6FC3-485B-9764-EAC9E56C1D49}" type="datetimeFigureOut">
               <a:rPr lang="en-US" smtClean="0"/>
-              <a:t>10/20/2017</a:t>
+              <a:t>11/9/2017</a:t>
             </a:fld>
             <a:endParaRPr lang="en-US"/>
           </a:p>
@@ -1417,7 +1417,7 @@
           <a:p>
             <a:fld id="{78C97017-6FC3-485B-9764-EAC9E56C1D49}" type="datetimeFigureOut">
               <a:rPr lang="en-US" smtClean="0"/>
-              <a:t>10/20/2017</a:t>
+              <a:t>11/9/2017</a:t>
             </a:fld>
             <a:endParaRPr lang="en-US"/>
           </a:p>
@@ -1702,7 +1702,7 @@
           <a:p>
             <a:fld id="{78C97017-6FC3-485B-9764-EAC9E56C1D49}" type="datetimeFigureOut">
               <a:rPr lang="en-US" smtClean="0"/>
-              <a:t>10/20/2017</a:t>
+              <a:t>11/9/2017</a:t>
             </a:fld>
             <a:endParaRPr lang="en-US"/>
           </a:p>
@@ -2121,7 +2121,7 @@
           <a:p>
             <a:fld id="{78C97017-6FC3-485B-9764-EAC9E56C1D49}" type="datetimeFigureOut">
               <a:rPr lang="en-US" smtClean="0"/>
-              <a:t>10/20/2017</a:t>
+              <a:t>11/9/2017</a:t>
             </a:fld>
             <a:endParaRPr lang="en-US"/>
           </a:p>
@@ -2238,7 +2238,7 @@
           <a:p>
             <a:fld id="{78C97017-6FC3-485B-9764-EAC9E56C1D49}" type="datetimeFigureOut">
               <a:rPr lang="en-US" smtClean="0"/>
-              <a:t>10/20/2017</a:t>
+              <a:t>11/9/2017</a:t>
             </a:fld>
             <a:endParaRPr lang="en-US"/>
           </a:p>
@@ -2333,7 +2333,7 @@
           <a:p>
             <a:fld id="{78C97017-6FC3-485B-9764-EAC9E56C1D49}" type="datetimeFigureOut">
               <a:rPr lang="en-US" smtClean="0"/>
-              <a:t>10/20/2017</a:t>
+              <a:t>11/9/2017</a:t>
             </a:fld>
             <a:endParaRPr lang="en-US"/>
           </a:p>
@@ -2608,7 +2608,7 @@
           <a:p>
             <a:fld id="{78C97017-6FC3-485B-9764-EAC9E56C1D49}" type="datetimeFigureOut">
               <a:rPr lang="en-US" smtClean="0"/>
-              <a:t>10/20/2017</a:t>
+              <a:t>11/9/2017</a:t>
             </a:fld>
             <a:endParaRPr lang="en-US"/>
           </a:p>
@@ -2860,7 +2860,7 @@
           <a:p>
             <a:fld id="{78C97017-6FC3-485B-9764-EAC9E56C1D49}" type="datetimeFigureOut">
               <a:rPr lang="en-US" smtClean="0"/>
-              <a:t>10/20/2017</a:t>
+              <a:t>11/9/2017</a:t>
             </a:fld>
             <a:endParaRPr lang="en-US"/>
           </a:p>
@@ -3071,7 +3071,7 @@
           <a:p>
             <a:fld id="{78C97017-6FC3-485B-9764-EAC9E56C1D49}" type="datetimeFigureOut">
               <a:rPr lang="en-US" smtClean="0"/>
-              <a:t>10/20/2017</a:t>
+              <a:t>11/9/2017</a:t>
             </a:fld>
             <a:endParaRPr lang="en-US"/>
           </a:p>
@@ -3454,8 +3454,8 @@
         </p:nvSpPr>
         <p:spPr>
           <a:xfrm>
-            <a:off x="1295400" y="1219200"/>
-            <a:ext cx="6082136" cy="3851931"/>
+            <a:off x="280833" y="228600"/>
+            <a:ext cx="6997388" cy="5867400"/>
           </a:xfrm>
           <a:prstGeom prst="roundRect">
             <a:avLst>
@@ -3521,8 +3521,8 @@
         </p:nvSpPr>
         <p:spPr>
           <a:xfrm>
-            <a:off x="1408561" y="1515719"/>
-            <a:ext cx="1093635" cy="240176"/>
+            <a:off x="411022" y="680268"/>
+            <a:ext cx="1258207" cy="365845"/>
           </a:xfrm>
           <a:prstGeom prst="rect">
             <a:avLst/>
@@ -3597,8 +3597,8 @@
         </p:nvCxnSpPr>
         <p:spPr>
           <a:xfrm>
-            <a:off x="1955379" y="1755895"/>
-            <a:ext cx="0" cy="2884024"/>
+            <a:off x="1040126" y="1046113"/>
+            <a:ext cx="19522" cy="4857332"/>
           </a:xfrm>
           <a:prstGeom prst="line">
             <a:avLst/>
@@ -3640,8 +3640,8 @@
         </p:nvSpPr>
         <p:spPr>
           <a:xfrm>
-            <a:off x="1885627" y="2185183"/>
-            <a:ext cx="153026" cy="2683336"/>
+            <a:off x="959878" y="1700020"/>
+            <a:ext cx="176054" cy="4087354"/>
           </a:xfrm>
           <a:prstGeom prst="rect">
             <a:avLst/>
@@ -3697,8 +3697,8 @@
         </p:nvSpPr>
         <p:spPr>
           <a:xfrm>
-            <a:off x="2684212" y="1515719"/>
-            <a:ext cx="909361" cy="240176"/>
+            <a:off x="1791485" y="680268"/>
+            <a:ext cx="1248582" cy="365845"/>
           </a:xfrm>
           <a:prstGeom prst="rect">
             <a:avLst/>
@@ -3772,9 +3772,9 @@
           <p:nvPr/>
         </p:nvCxnSpPr>
         <p:spPr>
-          <a:xfrm>
-            <a:off x="3138893" y="1755895"/>
-            <a:ext cx="4508" cy="1453839"/>
+          <a:xfrm flipH="1">
+            <a:off x="2398992" y="1046113"/>
+            <a:ext cx="16784" cy="2214540"/>
           </a:xfrm>
           <a:prstGeom prst="line">
             <a:avLst/>
@@ -3816,8 +3816,8 @@
         </p:nvSpPr>
         <p:spPr>
           <a:xfrm>
-            <a:off x="3065814" y="2287225"/>
-            <a:ext cx="144016" cy="832525"/>
+            <a:off x="2317662" y="1855454"/>
+            <a:ext cx="165688" cy="1268132"/>
           </a:xfrm>
           <a:prstGeom prst="rect">
             <a:avLst/>
@@ -3873,8 +3873,8 @@
         </p:nvSpPr>
         <p:spPr>
           <a:xfrm>
-            <a:off x="3743811" y="2065205"/>
-            <a:ext cx="1232407" cy="346760"/>
+            <a:off x="3212673" y="1525178"/>
+            <a:ext cx="1215344" cy="528197"/>
           </a:xfrm>
           <a:prstGeom prst="rect">
             <a:avLst/>
@@ -3948,8 +3948,8 @@
         </p:nvCxnSpPr>
         <p:spPr>
           <a:xfrm>
-            <a:off x="4367974" y="2420485"/>
-            <a:ext cx="0" cy="822331"/>
+            <a:off x="3815774" y="2058441"/>
+            <a:ext cx="0" cy="1252604"/>
           </a:xfrm>
           <a:prstGeom prst="line">
             <a:avLst/>
@@ -3991,8 +3991,8 @@
         </p:nvSpPr>
         <p:spPr>
           <a:xfrm>
-            <a:off x="4288983" y="2582520"/>
-            <a:ext cx="159914" cy="457199"/>
+            <a:off x="3724896" y="2305258"/>
+            <a:ext cx="183978" cy="696422"/>
           </a:xfrm>
           <a:prstGeom prst="rect">
             <a:avLst/>
@@ -4048,8 +4048,8 @@
         </p:nvSpPr>
         <p:spPr>
           <a:xfrm>
-            <a:off x="5093063" y="2378883"/>
-            <a:ext cx="834272" cy="364101"/>
+            <a:off x="4649976" y="1995071"/>
+            <a:ext cx="959815" cy="554612"/>
           </a:xfrm>
           <a:prstGeom prst="rect">
             <a:avLst/>
@@ -4123,8 +4123,8 @@
         </p:nvCxnSpPr>
         <p:spPr>
           <a:xfrm>
-            <a:off x="5494613" y="2769389"/>
-            <a:ext cx="0" cy="2099130"/>
+            <a:off x="5111952" y="2589904"/>
+            <a:ext cx="11179" cy="3313541"/>
           </a:xfrm>
           <a:prstGeom prst="line">
             <a:avLst/>
@@ -4166,8 +4166,8 @@
         </p:nvSpPr>
         <p:spPr>
           <a:xfrm>
-            <a:off x="5431835" y="3315258"/>
-            <a:ext cx="113354" cy="1248461"/>
+            <a:off x="5039726" y="3421391"/>
+            <a:ext cx="159221" cy="2224697"/>
           </a:xfrm>
           <a:prstGeom prst="rect">
             <a:avLst/>
@@ -4223,8 +4223,8 @@
         </p:nvSpPr>
         <p:spPr>
           <a:xfrm>
-            <a:off x="5792554" y="3652718"/>
-            <a:ext cx="1403769" cy="332242"/>
+            <a:off x="5454729" y="4689075"/>
+            <a:ext cx="1403272" cy="263925"/>
           </a:xfrm>
           <a:prstGeom prst="rect">
             <a:avLst/>
@@ -4288,8 +4288,8 @@
         </p:nvSpPr>
         <p:spPr>
           <a:xfrm>
-            <a:off x="6420085" y="4007293"/>
-            <a:ext cx="138396" cy="520752"/>
+            <a:off x="6074762" y="4953000"/>
+            <a:ext cx="139655" cy="579336"/>
           </a:xfrm>
           <a:prstGeom prst="rect">
             <a:avLst/>
@@ -4323,7 +4323,7 @@
           <a:lstStyle/>
           <a:p>
             <a:pPr algn="ctr"/>
-            <a:endParaRPr lang="en-SG" sz="1000">
+            <a:endParaRPr lang="en-SG" sz="1000" dirty="0">
               <a:solidFill>
                 <a:schemeClr val="dk1"/>
               </a:solidFill>
@@ -4345,8 +4345,8 @@
         </p:nvSpPr>
         <p:spPr>
           <a:xfrm>
-            <a:off x="7451768" y="1623491"/>
-            <a:ext cx="585748" cy="346760"/>
+            <a:off x="7363623" y="844431"/>
+            <a:ext cx="673893" cy="528197"/>
           </a:xfrm>
           <a:prstGeom prst="rect">
             <a:avLst/>
@@ -4412,8 +4412,8 @@
         </p:nvCxnSpPr>
         <p:spPr>
           <a:xfrm>
-            <a:off x="7735418" y="1970251"/>
-            <a:ext cx="9224" cy="2974468"/>
+            <a:off x="7689958" y="1372628"/>
+            <a:ext cx="4870" cy="4635022"/>
           </a:xfrm>
           <a:prstGeom prst="line">
             <a:avLst/>
@@ -4455,8 +4455,8 @@
         </p:nvSpPr>
         <p:spPr>
           <a:xfrm>
-            <a:off x="7646518" y="3351097"/>
-            <a:ext cx="215183" cy="152401"/>
+            <a:off x="7587680" y="3475982"/>
+            <a:ext cx="247564" cy="1194959"/>
           </a:xfrm>
           <a:prstGeom prst="rect">
             <a:avLst/>
@@ -4512,8 +4512,8 @@
         </p:nvSpPr>
         <p:spPr>
           <a:xfrm>
-            <a:off x="4282002" y="2415857"/>
-            <a:ext cx="157980" cy="82448"/>
+            <a:off x="3716865" y="2051391"/>
+            <a:ext cx="181753" cy="125588"/>
           </a:xfrm>
           <a:prstGeom prst="rect">
             <a:avLst/>
@@ -4569,8 +4569,8 @@
         </p:nvSpPr>
         <p:spPr>
           <a:xfrm>
-            <a:off x="5428344" y="2754148"/>
-            <a:ext cx="132538" cy="226741"/>
+            <a:off x="5035710" y="2566688"/>
+            <a:ext cx="152483" cy="345380"/>
           </a:xfrm>
           <a:prstGeom prst="rect">
             <a:avLst/>
@@ -4628,8 +4628,8 @@
         </p:nvCxnSpPr>
         <p:spPr>
           <a:xfrm>
-            <a:off x="2038653" y="2287225"/>
-            <a:ext cx="1027161" cy="0"/>
+            <a:off x="1135932" y="1855454"/>
+            <a:ext cx="1181730" cy="0"/>
           </a:xfrm>
           <a:prstGeom prst="straightConnector1">
             <a:avLst/>
@@ -4672,8 +4672,8 @@
         </p:nvCxnSpPr>
         <p:spPr>
           <a:xfrm>
-            <a:off x="3209830" y="2353919"/>
-            <a:ext cx="536683" cy="0"/>
+            <a:off x="2483350" y="1957045"/>
+            <a:ext cx="729323" cy="0"/>
           </a:xfrm>
           <a:prstGeom prst="straightConnector1">
             <a:avLst/>
@@ -4716,8 +4716,8 @@
         </p:nvCxnSpPr>
         <p:spPr>
           <a:xfrm>
-            <a:off x="3159907" y="2588870"/>
-            <a:ext cx="1129076" cy="0"/>
+            <a:off x="2425914" y="2314931"/>
+            <a:ext cx="1298982" cy="0"/>
           </a:xfrm>
           <a:prstGeom prst="straightConnector1">
             <a:avLst/>
@@ -4760,8 +4760,8 @@
         </p:nvCxnSpPr>
         <p:spPr>
           <a:xfrm>
-            <a:off x="4448897" y="2635862"/>
-            <a:ext cx="644165" cy="0"/>
+            <a:off x="3908874" y="2386511"/>
+            <a:ext cx="741100" cy="0"/>
           </a:xfrm>
           <a:prstGeom prst="straightConnector1">
             <a:avLst/>
@@ -4804,8 +4804,8 @@
         </p:nvCxnSpPr>
         <p:spPr>
           <a:xfrm flipV="1">
-            <a:off x="1975875" y="3322448"/>
-            <a:ext cx="3452469" cy="10933"/>
+            <a:off x="1063707" y="3432343"/>
+            <a:ext cx="3972004" cy="16654"/>
           </a:xfrm>
           <a:prstGeom prst="straightConnector1">
             <a:avLst/>
@@ -4848,8 +4848,8 @@
         </p:nvCxnSpPr>
         <p:spPr>
           <a:xfrm flipV="1">
-            <a:off x="5557391" y="3347680"/>
-            <a:ext cx="2077820" cy="168"/>
+            <a:off x="5184177" y="3470777"/>
+            <a:ext cx="2390495" cy="256"/>
           </a:xfrm>
           <a:prstGeom prst="straightConnector1">
             <a:avLst/>
@@ -4892,8 +4892,8 @@
         </p:nvCxnSpPr>
         <p:spPr>
           <a:xfrm>
-            <a:off x="1051300" y="2194247"/>
-            <a:ext cx="834327" cy="0"/>
+            <a:off x="0" y="1713827"/>
+            <a:ext cx="959878" cy="0"/>
           </a:xfrm>
           <a:prstGeom prst="straightConnector1">
             <a:avLst/>
@@ -4934,8 +4934,8 @@
         </p:nvSpPr>
         <p:spPr>
           <a:xfrm>
-            <a:off x="1337734" y="1802755"/>
-            <a:ext cx="580529" cy="369332"/>
+            <a:off x="280833" y="1117492"/>
+            <a:ext cx="759294" cy="246221"/>
           </a:xfrm>
           <a:prstGeom prst="rect">
             <a:avLst/>
@@ -4989,8 +4989,8 @@
         </p:nvSpPr>
         <p:spPr>
           <a:xfrm>
-            <a:off x="2244840" y="2000928"/>
-            <a:ext cx="709411" cy="246221"/>
+            <a:off x="1162845" y="1663367"/>
+            <a:ext cx="1273153" cy="123111"/>
           </a:xfrm>
           <a:prstGeom prst="rect">
             <a:avLst/>
@@ -5047,8 +5047,8 @@
         </p:nvCxnSpPr>
         <p:spPr>
           <a:xfrm>
-            <a:off x="2048382" y="3119750"/>
-            <a:ext cx="1089440" cy="0"/>
+            <a:off x="1147125" y="3123586"/>
+            <a:ext cx="1253381" cy="0"/>
           </a:xfrm>
           <a:prstGeom prst="straightConnector1">
             <a:avLst/>
@@ -5093,8 +5093,8 @@
         </p:nvCxnSpPr>
         <p:spPr>
           <a:xfrm>
-            <a:off x="3209830" y="3039719"/>
-            <a:ext cx="1089440" cy="0"/>
+            <a:off x="2483350" y="3001680"/>
+            <a:ext cx="1253381" cy="0"/>
           </a:xfrm>
           <a:prstGeom prst="straightConnector1">
             <a:avLst/>
@@ -5140,8 +5140,8 @@
         </p:nvCxnSpPr>
         <p:spPr>
           <a:xfrm>
-            <a:off x="4453947" y="2980018"/>
-            <a:ext cx="1040666" cy="871"/>
+            <a:off x="3914684" y="2910741"/>
+            <a:ext cx="1197268" cy="1327"/>
           </a:xfrm>
           <a:prstGeom prst="straightConnector1">
             <a:avLst/>
@@ -5186,8 +5186,8 @@
         </p:nvCxnSpPr>
         <p:spPr>
           <a:xfrm>
-            <a:off x="5550723" y="4496354"/>
-            <a:ext cx="869362" cy="12555"/>
+            <a:off x="5184177" y="5532336"/>
+            <a:ext cx="890585" cy="0"/>
           </a:xfrm>
           <a:prstGeom prst="straightConnector1">
             <a:avLst/>
@@ -5232,8 +5232,8 @@
         </p:nvCxnSpPr>
         <p:spPr>
           <a:xfrm>
-            <a:off x="2038653" y="4563719"/>
-            <a:ext cx="3389691" cy="0"/>
+            <a:off x="1135931" y="5638800"/>
+            <a:ext cx="3899779" cy="0"/>
           </a:xfrm>
           <a:prstGeom prst="straightConnector1">
             <a:avLst/>
@@ -5279,8 +5279,8 @@
         </p:nvCxnSpPr>
         <p:spPr>
           <a:xfrm>
-            <a:off x="6566375" y="4442730"/>
-            <a:ext cx="1166623" cy="5924"/>
+            <a:off x="6217202" y="5474887"/>
+            <a:ext cx="1469971" cy="4712"/>
           </a:xfrm>
           <a:prstGeom prst="straightConnector1">
             <a:avLst/>
@@ -5325,8 +5325,8 @@
         </p:nvCxnSpPr>
         <p:spPr>
           <a:xfrm>
-            <a:off x="3209830" y="2498305"/>
-            <a:ext cx="1089440" cy="0"/>
+            <a:off x="2483350" y="2176979"/>
+            <a:ext cx="1253381" cy="0"/>
           </a:xfrm>
           <a:prstGeom prst="straightConnector1">
             <a:avLst/>
@@ -5369,8 +5369,8 @@
         </p:nvSpPr>
         <p:spPr>
           <a:xfrm>
-            <a:off x="3287417" y="2615669"/>
-            <a:ext cx="950686" cy="123111"/>
+            <a:off x="2572612" y="2355752"/>
+            <a:ext cx="1093747" cy="187527"/>
           </a:xfrm>
           <a:prstGeom prst="rect">
             <a:avLst/>
@@ -5408,8 +5408,8 @@
         </p:nvSpPr>
         <p:spPr>
           <a:xfrm>
-            <a:off x="2830123" y="2967002"/>
-            <a:ext cx="172914" cy="123111"/>
+            <a:off x="2083661" y="2897666"/>
+            <a:ext cx="198934" cy="187527"/>
           </a:xfrm>
           <a:prstGeom prst="rect">
             <a:avLst/>
@@ -5452,8 +5452,8 @@
         </p:nvSpPr>
         <p:spPr>
           <a:xfrm>
-            <a:off x="3867178" y="3180860"/>
-            <a:ext cx="709411" cy="123111"/>
+            <a:off x="3239617" y="3216671"/>
+            <a:ext cx="816165" cy="187527"/>
           </a:xfrm>
           <a:prstGeom prst="rect">
             <a:avLst/>
@@ -5491,8 +5491,8 @@
         </p:nvSpPr>
         <p:spPr>
           <a:xfrm>
-            <a:off x="3958644" y="4385798"/>
-            <a:ext cx="709411" cy="123111"/>
+            <a:off x="3231984" y="5375639"/>
+            <a:ext cx="434376" cy="123111"/>
           </a:xfrm>
           <a:prstGeom prst="rect">
             <a:avLst/>
@@ -5532,8 +5532,8 @@
         </p:nvCxnSpPr>
         <p:spPr>
           <a:xfrm>
-            <a:off x="1064518" y="4868519"/>
-            <a:ext cx="821109" cy="0"/>
+            <a:off x="15207" y="5787374"/>
+            <a:ext cx="944671" cy="0"/>
           </a:xfrm>
           <a:prstGeom prst="straightConnector1">
             <a:avLst/>
@@ -5576,8 +5576,8 @@
         </p:nvSpPr>
         <p:spPr>
           <a:xfrm>
-            <a:off x="1468463" y="4701087"/>
-            <a:ext cx="709411" cy="123111"/>
+            <a:off x="479939" y="5532336"/>
+            <a:ext cx="816165" cy="187527"/>
           </a:xfrm>
           <a:prstGeom prst="rect">
             <a:avLst/>
@@ -5617,8 +5617,8 @@
         </p:nvCxnSpPr>
         <p:spPr>
           <a:xfrm>
-            <a:off x="5463027" y="3818954"/>
-            <a:ext cx="324371" cy="0"/>
+            <a:off x="5093711" y="4827917"/>
+            <a:ext cx="373183" cy="0"/>
           </a:xfrm>
           <a:prstGeom prst="straightConnector1">
             <a:avLst/>
@@ -5659,8 +5659,8 @@
         </p:nvSpPr>
         <p:spPr>
           <a:xfrm>
-            <a:off x="4245520" y="3101627"/>
-            <a:ext cx="181896" cy="246221"/>
+            <a:off x="3674893" y="3095981"/>
+            <a:ext cx="209268" cy="375053"/>
           </a:xfrm>
           <a:prstGeom prst="rect">
             <a:avLst/>
@@ -5694,8 +5694,8 @@
         </p:nvSpPr>
         <p:spPr>
           <a:xfrm>
-            <a:off x="5914592" y="3179698"/>
-            <a:ext cx="1265892" cy="123111"/>
+            <a:off x="5586931" y="3275099"/>
+            <a:ext cx="1456386" cy="187527"/>
           </a:xfrm>
           <a:prstGeom prst="rect">
             <a:avLst/>
@@ -5741,8 +5741,8 @@
         </p:nvSpPr>
         <p:spPr>
           <a:xfrm>
-            <a:off x="6024737" y="2576370"/>
-            <a:ext cx="1282105" cy="255280"/>
+            <a:off x="5839704" y="2326004"/>
+            <a:ext cx="1321472" cy="388852"/>
           </a:xfrm>
           <a:prstGeom prst="rect">
             <a:avLst/>
@@ -5807,9 +5807,9 @@
           <p:nvPr/>
         </p:nvCxnSpPr>
         <p:spPr>
-          <a:xfrm>
-            <a:off x="5545189" y="2811119"/>
-            <a:ext cx="484419" cy="0"/>
+          <a:xfrm flipV="1">
+            <a:off x="5170139" y="2644140"/>
+            <a:ext cx="666781" cy="9328"/>
           </a:xfrm>
           <a:prstGeom prst="straightConnector1">
             <a:avLst/>
@@ -5850,8 +5850,8 @@
         </p:nvSpPr>
         <p:spPr>
           <a:xfrm>
-            <a:off x="6586799" y="2847728"/>
-            <a:ext cx="157980" cy="82448"/>
+            <a:off x="6368492" y="2709232"/>
+            <a:ext cx="181753" cy="125588"/>
           </a:xfrm>
           <a:prstGeom prst="rect">
             <a:avLst/>
@@ -5909,8 +5909,8 @@
         </p:nvCxnSpPr>
         <p:spPr>
           <a:xfrm>
-            <a:off x="5557391" y="2917553"/>
-            <a:ext cx="1089440" cy="0"/>
+            <a:off x="5184177" y="2815592"/>
+            <a:ext cx="1253381" cy="0"/>
           </a:xfrm>
           <a:prstGeom prst="straightConnector1">
             <a:avLst/>
@@ -5953,8 +5953,8 @@
         </p:nvSpPr>
         <p:spPr>
           <a:xfrm>
-            <a:off x="7644594" y="4322942"/>
-            <a:ext cx="176807" cy="125712"/>
+            <a:off x="7585466" y="5288110"/>
+            <a:ext cx="203413" cy="191489"/>
           </a:xfrm>
           <a:prstGeom prst="rect">
             <a:avLst/>
@@ -6011,9 +6011,9 @@
           <p:nvPr/>
         </p:nvCxnSpPr>
         <p:spPr>
-          <a:xfrm>
-            <a:off x="6560025" y="4340368"/>
-            <a:ext cx="1084569" cy="2831"/>
+          <a:xfrm flipV="1">
+            <a:off x="6217202" y="5318965"/>
+            <a:ext cx="1368264" cy="4127"/>
           </a:xfrm>
           <a:prstGeom prst="straightConnector1">
             <a:avLst/>
@@ -6054,8 +6054,8 @@
         </p:nvSpPr>
         <p:spPr>
           <a:xfrm>
-            <a:off x="6600471" y="4043609"/>
-            <a:ext cx="749912" cy="246221"/>
+            <a:off x="6308760" y="5079863"/>
+            <a:ext cx="996277" cy="123111"/>
           </a:xfrm>
           <a:prstGeom prst="rect">
             <a:avLst/>
@@ -6083,6 +6083,558 @@
                 </a:solidFill>
               </a:rPr>
               <a:t>()</a:t>
+            </a:r>
+          </a:p>
+        </p:txBody>
+      </p:sp>
+      <p:sp>
+        <p:nvSpPr>
+          <p:cNvPr id="57" name="TextBox 56">
+            <a:extLst>
+              <a:ext uri="{FF2B5EF4-FFF2-40B4-BE49-F238E27FC236}">
+                <a16:creationId xmlns:a16="http://schemas.microsoft.com/office/drawing/2014/main" id="{27F64299-CADD-4E9C-94F6-029112D66B3E}"/>
+              </a:ext>
+            </a:extLst>
+          </p:cNvPr>
+          <p:cNvSpPr txBox="1"/>
+          <p:nvPr/>
+        </p:nvSpPr>
+        <p:spPr>
+          <a:xfrm>
+            <a:off x="7867430" y="3077677"/>
+            <a:ext cx="719645" cy="461665"/>
+          </a:xfrm>
+          <a:prstGeom prst="rect">
+            <a:avLst/>
+          </a:prstGeom>
+          <a:noFill/>
+        </p:spPr>
+        <p:txBody>
+          <a:bodyPr wrap="square" lIns="0" tIns="0" rIns="0" bIns="0" rtlCol="0">
+            <a:spAutoFit/>
+          </a:bodyPr>
+          <a:lstStyle/>
+          <a:p>
+            <a:r>
+              <a:rPr lang="en-US" sz="1000" dirty="0">
+                <a:solidFill>
+                  <a:schemeClr val="accent5">
+                    <a:lumMod val="75000"/>
+                  </a:schemeClr>
+                </a:solidFill>
+              </a:rPr>
+              <a:t>post(</a:t>
+            </a:r>
+            <a:r>
+              <a:rPr lang="en-US" sz="1000" dirty="0" err="1">
+                <a:solidFill>
+                  <a:schemeClr val="accent5">
+                    <a:lumMod val="75000"/>
+                  </a:schemeClr>
+                </a:solidFill>
+              </a:rPr>
+              <a:t>AddressBookChangedEvent</a:t>
+            </a:r>
+            <a:r>
+              <a:rPr lang="en-US" sz="1000" dirty="0">
+                <a:solidFill>
+                  <a:schemeClr val="accent5">
+                    <a:lumMod val="75000"/>
+                  </a:schemeClr>
+                </a:solidFill>
+              </a:rPr>
+              <a:t>)</a:t>
+            </a:r>
+          </a:p>
+        </p:txBody>
+      </p:sp>
+      <p:sp>
+        <p:nvSpPr>
+          <p:cNvPr id="58" name="Rectangle 62">
+            <a:extLst>
+              <a:ext uri="{FF2B5EF4-FFF2-40B4-BE49-F238E27FC236}">
+                <a16:creationId xmlns:a16="http://schemas.microsoft.com/office/drawing/2014/main" id="{F840B4CB-F765-4F69-88FB-3F4799EC30AF}"/>
+              </a:ext>
+            </a:extLst>
+          </p:cNvPr>
+          <p:cNvSpPr/>
+          <p:nvPr/>
+        </p:nvSpPr>
+        <p:spPr>
+          <a:xfrm>
+            <a:off x="8159399" y="872238"/>
+            <a:ext cx="944882" cy="507664"/>
+          </a:xfrm>
+          <a:prstGeom prst="rect">
+            <a:avLst/>
+          </a:prstGeom>
+          <a:solidFill>
+            <a:schemeClr val="accent5">
+              <a:lumMod val="75000"/>
+            </a:schemeClr>
+          </a:solidFill>
+          <a:ln w="19050">
+            <a:solidFill>
+              <a:schemeClr val="accent5">
+                <a:lumMod val="75000"/>
+              </a:schemeClr>
+            </a:solidFill>
+          </a:ln>
+          <a:effectLst/>
+        </p:spPr>
+        <p:style>
+          <a:lnRef idx="1">
+            <a:schemeClr val="accent2"/>
+          </a:lnRef>
+          <a:fillRef idx="2">
+            <a:schemeClr val="accent2"/>
+          </a:fillRef>
+          <a:effectRef idx="1">
+            <a:schemeClr val="accent2"/>
+          </a:effectRef>
+          <a:fontRef idx="minor">
+            <a:schemeClr val="dk1"/>
+          </a:fontRef>
+        </p:style>
+        <p:txBody>
+          <a:bodyPr rtlCol="0" anchor="ctr"/>
+          <a:lstStyle/>
+          <a:p>
+            <a:pPr algn="ctr"/>
+            <a:r>
+              <a:rPr lang="en-US" sz="1600" dirty="0">
+                <a:solidFill>
+                  <a:schemeClr val="bg1"/>
+                </a:solidFill>
+              </a:rPr>
+              <a:t>:</a:t>
+            </a:r>
+            <a:r>
+              <a:rPr lang="en-US" sz="1000" dirty="0" err="1">
+                <a:solidFill>
+                  <a:schemeClr val="bg1"/>
+                </a:solidFill>
+              </a:rPr>
+              <a:t>EventsCenter</a:t>
+            </a:r>
+            <a:endParaRPr lang="en-SG" sz="1000" dirty="0">
+              <a:solidFill>
+                <a:schemeClr val="bg1"/>
+              </a:solidFill>
+            </a:endParaRPr>
+          </a:p>
+        </p:txBody>
+      </p:sp>
+      <p:cxnSp>
+        <p:nvCxnSpPr>
+          <p:cNvPr id="59" name="Straight Connector 58">
+            <a:extLst>
+              <a:ext uri="{FF2B5EF4-FFF2-40B4-BE49-F238E27FC236}">
+                <a16:creationId xmlns:a16="http://schemas.microsoft.com/office/drawing/2014/main" id="{55FD6CB4-500E-4D0B-B4DC-866CCEEE5720}"/>
+              </a:ext>
+            </a:extLst>
+          </p:cNvPr>
+          <p:cNvCxnSpPr>
+            <a:cxnSpLocks/>
+          </p:cNvCxnSpPr>
+          <p:nvPr/>
+        </p:nvCxnSpPr>
+        <p:spPr>
+          <a:xfrm>
+            <a:off x="8632879" y="1379900"/>
+            <a:ext cx="763" cy="4627750"/>
+          </a:xfrm>
+          <a:prstGeom prst="line">
+            <a:avLst/>
+          </a:prstGeom>
+          <a:ln w="19050">
+            <a:solidFill>
+              <a:schemeClr val="accent5">
+                <a:lumMod val="75000"/>
+              </a:schemeClr>
+            </a:solidFill>
+            <a:prstDash val="sysDash"/>
+          </a:ln>
+          <a:effectLst/>
+        </p:spPr>
+        <p:style>
+          <a:lnRef idx="1">
+            <a:schemeClr val="accent1"/>
+          </a:lnRef>
+          <a:fillRef idx="2">
+            <a:schemeClr val="accent1"/>
+          </a:fillRef>
+          <a:effectRef idx="1">
+            <a:schemeClr val="accent1"/>
+          </a:effectRef>
+          <a:fontRef idx="minor">
+            <a:schemeClr val="dk1"/>
+          </a:fontRef>
+        </p:style>
+      </p:cxnSp>
+      <p:sp>
+        <p:nvSpPr>
+          <p:cNvPr id="60" name="Rectangle 59">
+            <a:extLst>
+              <a:ext uri="{FF2B5EF4-FFF2-40B4-BE49-F238E27FC236}">
+                <a16:creationId xmlns:a16="http://schemas.microsoft.com/office/drawing/2014/main" id="{2C505732-B838-4E40-8E43-E961D6051517}"/>
+              </a:ext>
+            </a:extLst>
+          </p:cNvPr>
+          <p:cNvSpPr/>
+          <p:nvPr/>
+        </p:nvSpPr>
+        <p:spPr>
+          <a:xfrm>
+            <a:off x="8557154" y="3592841"/>
+            <a:ext cx="120916" cy="217160"/>
+          </a:xfrm>
+          <a:prstGeom prst="rect">
+            <a:avLst/>
+          </a:prstGeom>
+          <a:solidFill>
+            <a:schemeClr val="accent5">
+              <a:lumMod val="75000"/>
+            </a:schemeClr>
+          </a:solidFill>
+          <a:ln>
+            <a:solidFill>
+              <a:schemeClr val="accent5">
+                <a:lumMod val="75000"/>
+              </a:schemeClr>
+            </a:solidFill>
+          </a:ln>
+          <a:effectLst/>
+        </p:spPr>
+        <p:style>
+          <a:lnRef idx="1">
+            <a:schemeClr val="accent3"/>
+          </a:lnRef>
+          <a:fillRef idx="2">
+            <a:schemeClr val="accent3"/>
+          </a:fillRef>
+          <a:effectRef idx="1">
+            <a:schemeClr val="accent3"/>
+          </a:effectRef>
+          <a:fontRef idx="minor">
+            <a:schemeClr val="dk1"/>
+          </a:fontRef>
+        </p:style>
+        <p:txBody>
+          <a:bodyPr rtlCol="0" anchor="ctr"/>
+          <a:lstStyle/>
+          <a:p>
+            <a:pPr algn="ctr"/>
+            <a:endParaRPr lang="en-SG" sz="1400">
+              <a:solidFill>
+                <a:schemeClr val="dk1"/>
+              </a:solidFill>
+            </a:endParaRPr>
+          </a:p>
+        </p:txBody>
+      </p:sp>
+      <p:cxnSp>
+        <p:nvCxnSpPr>
+          <p:cNvPr id="61" name="Straight Arrow Connector 60">
+            <a:extLst>
+              <a:ext uri="{FF2B5EF4-FFF2-40B4-BE49-F238E27FC236}">
+                <a16:creationId xmlns:a16="http://schemas.microsoft.com/office/drawing/2014/main" id="{A6159815-8C20-4FA4-8589-2B7078D62397}"/>
+              </a:ext>
+            </a:extLst>
+          </p:cNvPr>
+          <p:cNvCxnSpPr>
+            <a:cxnSpLocks/>
+          </p:cNvCxnSpPr>
+          <p:nvPr/>
+        </p:nvCxnSpPr>
+        <p:spPr>
+          <a:xfrm>
+            <a:off x="7802848" y="3606739"/>
+            <a:ext cx="828992" cy="0"/>
+          </a:xfrm>
+          <a:prstGeom prst="straightConnector1">
+            <a:avLst/>
+          </a:prstGeom>
+          <a:ln w="19050">
+            <a:solidFill>
+              <a:srgbClr val="7030A0"/>
+            </a:solidFill>
+            <a:tailEnd type="arrow"/>
+          </a:ln>
+        </p:spPr>
+        <p:style>
+          <a:lnRef idx="1">
+            <a:schemeClr val="accent1"/>
+          </a:lnRef>
+          <a:fillRef idx="0">
+            <a:schemeClr val="accent1"/>
+          </a:fillRef>
+          <a:effectRef idx="0">
+            <a:schemeClr val="accent1"/>
+          </a:effectRef>
+          <a:fontRef idx="minor">
+            <a:schemeClr val="tx1"/>
+          </a:fontRef>
+        </p:style>
+      </p:cxnSp>
+      <p:cxnSp>
+        <p:nvCxnSpPr>
+          <p:cNvPr id="62" name="Straight Arrow Connector 61">
+            <a:extLst>
+              <a:ext uri="{FF2B5EF4-FFF2-40B4-BE49-F238E27FC236}">
+                <a16:creationId xmlns:a16="http://schemas.microsoft.com/office/drawing/2014/main" id="{77A9211A-3F0E-4095-A7AE-56DB2796A131}"/>
+              </a:ext>
+            </a:extLst>
+          </p:cNvPr>
+          <p:cNvCxnSpPr>
+            <a:cxnSpLocks/>
+          </p:cNvCxnSpPr>
+          <p:nvPr/>
+        </p:nvCxnSpPr>
+        <p:spPr>
+          <a:xfrm>
+            <a:off x="7835244" y="3810000"/>
+            <a:ext cx="751227" cy="0"/>
+          </a:xfrm>
+          <a:prstGeom prst="straightConnector1">
+            <a:avLst/>
+          </a:prstGeom>
+          <a:ln w="19050">
+            <a:solidFill>
+              <a:schemeClr val="accent5">
+                <a:lumMod val="75000"/>
+              </a:schemeClr>
+            </a:solidFill>
+            <a:prstDash val="sysDash"/>
+            <a:headEnd type="arrow" w="med" len="med"/>
+            <a:tailEnd type="none" w="med" len="med"/>
+          </a:ln>
+        </p:spPr>
+        <p:style>
+          <a:lnRef idx="1">
+            <a:schemeClr val="accent1"/>
+          </a:lnRef>
+          <a:fillRef idx="0">
+            <a:schemeClr val="accent1"/>
+          </a:fillRef>
+          <a:effectRef idx="0">
+            <a:schemeClr val="accent1"/>
+          </a:effectRef>
+          <a:fontRef idx="minor">
+            <a:schemeClr val="tx1"/>
+          </a:fontRef>
+        </p:style>
+      </p:cxnSp>
+      <p:cxnSp>
+        <p:nvCxnSpPr>
+          <p:cNvPr id="77" name="Straight Arrow Connector 76">
+            <a:extLst>
+              <a:ext uri="{FF2B5EF4-FFF2-40B4-BE49-F238E27FC236}">
+                <a16:creationId xmlns:a16="http://schemas.microsoft.com/office/drawing/2014/main" id="{6E113482-D6FF-4FBF-A5F7-085709D3C401}"/>
+              </a:ext>
+            </a:extLst>
+          </p:cNvPr>
+          <p:cNvCxnSpPr>
+            <a:cxnSpLocks/>
+          </p:cNvCxnSpPr>
+          <p:nvPr/>
+        </p:nvCxnSpPr>
+        <p:spPr>
+          <a:xfrm>
+            <a:off x="7821275" y="4638529"/>
+            <a:ext cx="751227" cy="0"/>
+          </a:xfrm>
+          <a:prstGeom prst="straightConnector1">
+            <a:avLst/>
+          </a:prstGeom>
+          <a:ln w="19050">
+            <a:solidFill>
+              <a:schemeClr val="accent5">
+                <a:lumMod val="75000"/>
+              </a:schemeClr>
+            </a:solidFill>
+            <a:prstDash val="sysDash"/>
+            <a:headEnd type="arrow" w="med" len="med"/>
+            <a:tailEnd type="none" w="med" len="med"/>
+          </a:ln>
+        </p:spPr>
+        <p:style>
+          <a:lnRef idx="1">
+            <a:schemeClr val="accent1"/>
+          </a:lnRef>
+          <a:fillRef idx="0">
+            <a:schemeClr val="accent1"/>
+          </a:fillRef>
+          <a:effectRef idx="0">
+            <a:schemeClr val="accent1"/>
+          </a:effectRef>
+          <a:fontRef idx="minor">
+            <a:schemeClr val="tx1"/>
+          </a:fontRef>
+        </p:style>
+      </p:cxnSp>
+      <p:sp>
+        <p:nvSpPr>
+          <p:cNvPr id="78" name="Rectangle 77">
+            <a:extLst>
+              <a:ext uri="{FF2B5EF4-FFF2-40B4-BE49-F238E27FC236}">
+                <a16:creationId xmlns:a16="http://schemas.microsoft.com/office/drawing/2014/main" id="{C2F1782D-B046-4FD7-A3A1-9DC368533DC7}"/>
+              </a:ext>
+            </a:extLst>
+          </p:cNvPr>
+          <p:cNvSpPr/>
+          <p:nvPr/>
+        </p:nvSpPr>
+        <p:spPr>
+          <a:xfrm>
+            <a:off x="8566554" y="4428078"/>
+            <a:ext cx="126653" cy="220122"/>
+          </a:xfrm>
+          <a:prstGeom prst="rect">
+            <a:avLst/>
+          </a:prstGeom>
+          <a:solidFill>
+            <a:schemeClr val="accent5">
+              <a:lumMod val="75000"/>
+            </a:schemeClr>
+          </a:solidFill>
+          <a:ln>
+            <a:solidFill>
+              <a:schemeClr val="accent5">
+                <a:lumMod val="75000"/>
+              </a:schemeClr>
+            </a:solidFill>
+          </a:ln>
+          <a:effectLst/>
+        </p:spPr>
+        <p:style>
+          <a:lnRef idx="1">
+            <a:schemeClr val="accent3"/>
+          </a:lnRef>
+          <a:fillRef idx="2">
+            <a:schemeClr val="accent3"/>
+          </a:fillRef>
+          <a:effectRef idx="1">
+            <a:schemeClr val="accent3"/>
+          </a:effectRef>
+          <a:fontRef idx="minor">
+            <a:schemeClr val="dk1"/>
+          </a:fontRef>
+        </p:style>
+        <p:txBody>
+          <a:bodyPr rtlCol="0" anchor="ctr"/>
+          <a:lstStyle/>
+          <a:p>
+            <a:pPr algn="ctr"/>
+            <a:endParaRPr lang="en-SG" sz="1400">
+              <a:solidFill>
+                <a:schemeClr val="dk1"/>
+              </a:solidFill>
+            </a:endParaRPr>
+          </a:p>
+        </p:txBody>
+      </p:sp>
+      <p:cxnSp>
+        <p:nvCxnSpPr>
+          <p:cNvPr id="76" name="Straight Arrow Connector 75">
+            <a:extLst>
+              <a:ext uri="{FF2B5EF4-FFF2-40B4-BE49-F238E27FC236}">
+                <a16:creationId xmlns:a16="http://schemas.microsoft.com/office/drawing/2014/main" id="{A7F3A648-E0C3-49BB-8ACF-B4570D382289}"/>
+              </a:ext>
+            </a:extLst>
+          </p:cNvPr>
+          <p:cNvCxnSpPr>
+            <a:cxnSpLocks/>
+          </p:cNvCxnSpPr>
+          <p:nvPr/>
+        </p:nvCxnSpPr>
+        <p:spPr>
+          <a:xfrm>
+            <a:off x="7788879" y="4419600"/>
+            <a:ext cx="828992" cy="0"/>
+          </a:xfrm>
+          <a:prstGeom prst="straightConnector1">
+            <a:avLst/>
+          </a:prstGeom>
+          <a:ln w="19050">
+            <a:solidFill>
+              <a:srgbClr val="7030A0"/>
+            </a:solidFill>
+            <a:tailEnd type="arrow"/>
+          </a:ln>
+        </p:spPr>
+        <p:style>
+          <a:lnRef idx="1">
+            <a:schemeClr val="accent1"/>
+          </a:lnRef>
+          <a:fillRef idx="0">
+            <a:schemeClr val="accent1"/>
+          </a:fillRef>
+          <a:effectRef idx="0">
+            <a:schemeClr val="accent1"/>
+          </a:effectRef>
+          <a:fontRef idx="minor">
+            <a:schemeClr val="tx1"/>
+          </a:fontRef>
+        </p:style>
+      </p:cxnSp>
+      <p:sp>
+        <p:nvSpPr>
+          <p:cNvPr id="83" name="TextBox 82">
+            <a:extLst>
+              <a:ext uri="{FF2B5EF4-FFF2-40B4-BE49-F238E27FC236}">
+                <a16:creationId xmlns:a16="http://schemas.microsoft.com/office/drawing/2014/main" id="{ABA504AD-8756-4C78-8FF9-D0FD77F8DCD1}"/>
+              </a:ext>
+            </a:extLst>
+          </p:cNvPr>
+          <p:cNvSpPr txBox="1"/>
+          <p:nvPr/>
+        </p:nvSpPr>
+        <p:spPr>
+          <a:xfrm>
+            <a:off x="7881589" y="3916998"/>
+            <a:ext cx="696318" cy="461665"/>
+          </a:xfrm>
+          <a:prstGeom prst="rect">
+            <a:avLst/>
+          </a:prstGeom>
+          <a:noFill/>
+        </p:spPr>
+        <p:txBody>
+          <a:bodyPr wrap="square" lIns="0" tIns="0" rIns="0" bIns="0" rtlCol="0">
+            <a:spAutoFit/>
+          </a:bodyPr>
+          <a:lstStyle/>
+          <a:p>
+            <a:r>
+              <a:rPr lang="en-US" sz="1000" dirty="0">
+                <a:solidFill>
+                  <a:schemeClr val="accent5">
+                    <a:lumMod val="75000"/>
+                  </a:schemeClr>
+                </a:solidFill>
+              </a:rPr>
+              <a:t>post(</a:t>
+            </a:r>
+            <a:r>
+              <a:rPr lang="en-US" sz="1000" dirty="0" err="1">
+                <a:solidFill>
+                  <a:schemeClr val="accent5">
+                    <a:lumMod val="75000"/>
+                  </a:schemeClr>
+                </a:solidFill>
+              </a:rPr>
+              <a:t>FilteredPersonListChangedEvent</a:t>
+            </a:r>
+            <a:r>
+              <a:rPr lang="en-US" sz="1000" dirty="0">
+                <a:solidFill>
+                  <a:schemeClr val="accent5">
+                    <a:lumMod val="75000"/>
+                  </a:schemeClr>
+                </a:solidFill>
+              </a:rPr>
+              <a:t>)</a:t>
             </a:r>
           </a:p>
         </p:txBody>
